--- a/Computer science presentation.pptx
+++ b/Computer science presentation.pptx
@@ -15,8 +15,8 @@
     <p:sldId id="260" r:id="rId6"/>
     <p:sldId id="261" r:id="rId7"/>
     <p:sldId id="263" r:id="rId8"/>
-    <p:sldId id="265" r:id="rId9"/>
-    <p:sldId id="266" r:id="rId10"/>
+    <p:sldId id="266" r:id="rId9"/>
+    <p:sldId id="265" r:id="rId10"/>
     <p:sldId id="264" r:id="rId11"/>
   </p:sldIdLst>
   <p:sldSz cx="12192000" cy="6858000"/>
@@ -206,7 +206,7 @@
           <a:p>
             <a:fld id="{D4910794-6271-5F40-A654-F19EAF30CB15}" type="datetimeFigureOut">
               <a:rPr lang="en-US" smtClean="0"/>
-              <a:t>12/5/22</a:t>
+              <a:t>12/8/22</a:t>
             </a:fld>
             <a:endParaRPr lang="en-US"/>
           </a:p>
@@ -713,7 +713,7 @@
           <a:p>
             <a:fld id="{02AC24A9-CCB6-4F8D-B8DB-C2F3692CFA5A}" type="datetimeFigureOut">
               <a:rPr lang="en-US" smtClean="0"/>
-              <a:t>12/5/22</a:t>
+              <a:t>12/8/22</a:t>
             </a:fld>
             <a:endParaRPr lang="en-US" dirty="0"/>
           </a:p>
@@ -1083,7 +1083,7 @@
           <a:p>
             <a:fld id="{02AC24A9-CCB6-4F8D-B8DB-C2F3692CFA5A}" type="datetimeFigureOut">
               <a:rPr lang="en-US" smtClean="0"/>
-              <a:t>12/5/22</a:t>
+              <a:t>12/8/22</a:t>
             </a:fld>
             <a:endParaRPr lang="en-US"/>
           </a:p>
@@ -1292,7 +1292,7 @@
           <a:p>
             <a:fld id="{02AC24A9-CCB6-4F8D-B8DB-C2F3692CFA5A}" type="datetimeFigureOut">
               <a:rPr lang="en-US" smtClean="0"/>
-              <a:t>12/5/22</a:t>
+              <a:t>12/8/22</a:t>
             </a:fld>
             <a:endParaRPr lang="en-US"/>
           </a:p>
@@ -1762,7 +1762,7 @@
           <a:p>
             <a:fld id="{02AC24A9-CCB6-4F8D-B8DB-C2F3692CFA5A}" type="datetimeFigureOut">
               <a:rPr lang="en-US" smtClean="0"/>
-              <a:t>12/5/22</a:t>
+              <a:t>12/8/22</a:t>
             </a:fld>
             <a:endParaRPr lang="en-US"/>
           </a:p>
@@ -2216,7 +2216,7 @@
           <a:p>
             <a:fld id="{02AC24A9-CCB6-4F8D-B8DB-C2F3692CFA5A}" type="datetimeFigureOut">
               <a:rPr lang="en-US" smtClean="0"/>
-              <a:t>12/5/22</a:t>
+              <a:t>12/8/22</a:t>
             </a:fld>
             <a:endParaRPr lang="en-US"/>
           </a:p>
@@ -2748,7 +2748,7 @@
           <a:p>
             <a:fld id="{02AC24A9-CCB6-4F8D-B8DB-C2F3692CFA5A}" type="datetimeFigureOut">
               <a:rPr lang="en-US" smtClean="0"/>
-              <a:t>12/5/22</a:t>
+              <a:t>12/8/22</a:t>
             </a:fld>
             <a:endParaRPr lang="en-US"/>
           </a:p>
@@ -3447,7 +3447,7 @@
           <a:p>
             <a:fld id="{02AC24A9-CCB6-4F8D-B8DB-C2F3692CFA5A}" type="datetimeFigureOut">
               <a:rPr lang="en-US" smtClean="0"/>
-              <a:t>12/5/22</a:t>
+              <a:t>12/8/22</a:t>
             </a:fld>
             <a:endParaRPr lang="en-US"/>
           </a:p>
@@ -3776,7 +3776,7 @@
           <a:p>
             <a:fld id="{02AC24A9-CCB6-4F8D-B8DB-C2F3692CFA5A}" type="datetimeFigureOut">
               <a:rPr lang="en-US" smtClean="0"/>
-              <a:t>12/5/22</a:t>
+              <a:t>12/8/22</a:t>
             </a:fld>
             <a:endParaRPr lang="en-US"/>
           </a:p>
@@ -3889,7 +3889,7 @@
           <a:p>
             <a:fld id="{02AC24A9-CCB6-4F8D-B8DB-C2F3692CFA5A}" type="datetimeFigureOut">
               <a:rPr lang="en-US" smtClean="0"/>
-              <a:t>12/5/22</a:t>
+              <a:t>12/8/22</a:t>
             </a:fld>
             <a:endParaRPr lang="en-US"/>
           </a:p>
@@ -4384,7 +4384,7 @@
           <a:p>
             <a:fld id="{02AC24A9-CCB6-4F8D-B8DB-C2F3692CFA5A}" type="datetimeFigureOut">
               <a:rPr lang="en-US" smtClean="0"/>
-              <a:t>12/5/22</a:t>
+              <a:t>12/8/22</a:t>
             </a:fld>
             <a:endParaRPr lang="en-US" dirty="0"/>
           </a:p>
@@ -4861,7 +4861,7 @@
           <a:p>
             <a:fld id="{02AC24A9-CCB6-4F8D-B8DB-C2F3692CFA5A}" type="datetimeFigureOut">
               <a:rPr lang="en-US" smtClean="0"/>
-              <a:t>12/5/22</a:t>
+              <a:t>12/8/22</a:t>
             </a:fld>
             <a:endParaRPr lang="en-US"/>
           </a:p>
@@ -5104,7 +5104,7 @@
           <a:p>
             <a:fld id="{02AC24A9-CCB6-4F8D-B8DB-C2F3692CFA5A}" type="datetimeFigureOut">
               <a:rPr lang="en-US" smtClean="0"/>
-              <a:t>12/5/22</a:t>
+              <a:t>12/8/22</a:t>
             </a:fld>
             <a:endParaRPr lang="en-US"/>
           </a:p>
@@ -7946,10 +7946,10 @@
       </p:sp>
       <p:pic>
         <p:nvPicPr>
-          <p:cNvPr id="8" name="Picture 7">
-            <a:extLst>
-              <a:ext uri="{FF2B5EF4-FFF2-40B4-BE49-F238E27FC236}">
-                <a16:creationId xmlns:a16="http://schemas.microsoft.com/office/drawing/2014/main" id="{FE10A9B8-262D-A2C0-C9F3-DE05FF7A755D}"/>
+          <p:cNvPr id="3" name="Picture 2">
+            <a:extLst>
+              <a:ext uri="{FF2B5EF4-FFF2-40B4-BE49-F238E27FC236}">
+                <a16:creationId xmlns:a16="http://schemas.microsoft.com/office/drawing/2014/main" id="{E0C02C05-9113-D553-4CC6-4DEABEA91D23}"/>
               </a:ext>
             </a:extLst>
           </p:cNvPr>
@@ -7958,15 +7958,16 @@
           </p:cNvPicPr>
           <p:nvPr/>
         </p:nvPicPr>
-        <p:blipFill rotWithShape="1">
+        <p:blipFill>
           <a:blip r:embed="rId2"/>
-          <a:srcRect r="13561" b="4281"/>
-          <a:stretch/>
+          <a:stretch>
+            <a:fillRect/>
+          </a:stretch>
         </p:blipFill>
         <p:spPr>
           <a:xfrm>
-            <a:off x="330739" y="3512181"/>
-            <a:ext cx="11530522" cy="568751"/>
+            <a:off x="282272" y="3721498"/>
+            <a:ext cx="11711734" cy="588415"/>
           </a:xfrm>
           <a:prstGeom prst="rect">
             <a:avLst/>
@@ -8723,35 +8724,6 @@
           </a:p>
         </p:txBody>
       </p:sp>
-      <p:pic>
-        <p:nvPicPr>
-          <p:cNvPr id="4" name="Picture 3">
-            <a:extLst>
-              <a:ext uri="{FF2B5EF4-FFF2-40B4-BE49-F238E27FC236}">
-                <a16:creationId xmlns:a16="http://schemas.microsoft.com/office/drawing/2014/main" id="{73EF8DE8-F8CD-74BC-4821-44EBC1C6C7AF}"/>
-              </a:ext>
-            </a:extLst>
-          </p:cNvPr>
-          <p:cNvPicPr>
-            <a:picLocks noChangeAspect="1"/>
-          </p:cNvPicPr>
-          <p:nvPr/>
-        </p:nvPicPr>
-        <p:blipFill rotWithShape="1">
-          <a:blip r:embed="rId2"/>
-          <a:srcRect l="-1" t="6763" r="57555" b="508"/>
-          <a:stretch/>
-        </p:blipFill>
-        <p:spPr>
-          <a:xfrm>
-            <a:off x="429767" y="3271838"/>
-            <a:ext cx="6678849" cy="1422621"/>
-          </a:xfrm>
-          <a:prstGeom prst="rect">
-            <a:avLst/>
-          </a:prstGeom>
-        </p:spPr>
-      </p:pic>
       <p:sp useBgFill="1">
         <p:nvSpPr>
           <p:cNvPr id="41" name="Rectangle 40">
@@ -8927,6 +8899,36 @@
           </a:p>
         </p:txBody>
       </p:sp>
+      <p:pic>
+        <p:nvPicPr>
+          <p:cNvPr id="3" name="Picture 2">
+            <a:extLst>
+              <a:ext uri="{FF2B5EF4-FFF2-40B4-BE49-F238E27FC236}">
+                <a16:creationId xmlns:a16="http://schemas.microsoft.com/office/drawing/2014/main" id="{9E6DEADD-0ADE-1A4E-6668-C8B88CDB87DA}"/>
+              </a:ext>
+            </a:extLst>
+          </p:cNvPr>
+          <p:cNvPicPr>
+            <a:picLocks noChangeAspect="1"/>
+          </p:cNvPicPr>
+          <p:nvPr/>
+        </p:nvPicPr>
+        <p:blipFill>
+          <a:blip r:embed="rId2"/>
+          <a:stretch>
+            <a:fillRect/>
+          </a:stretch>
+        </p:blipFill>
+        <p:spPr>
+          <a:xfrm>
+            <a:off x="429766" y="3262535"/>
+            <a:ext cx="7085369" cy="1106424"/>
+          </a:xfrm>
+          <a:prstGeom prst="rect">
+            <a:avLst/>
+          </a:prstGeom>
+        </p:spPr>
+      </p:pic>
     </p:spTree>
     <p:extLst>
       <p:ext uri="{BB962C8B-B14F-4D97-AF65-F5344CB8AC3E}">
@@ -9576,325 +9578,6 @@
 <file path=ppt/slides/slide8.xml><?xml version="1.0" encoding="utf-8"?>
 <p:sld xmlns:a="http://schemas.openxmlformats.org/drawingml/2006/main" xmlns:r="http://schemas.openxmlformats.org/officeDocument/2006/relationships" xmlns:p="http://schemas.openxmlformats.org/presentationml/2006/main">
   <p:cSld>
-    <p:spTree>
-      <p:nvGrpSpPr>
-        <p:cNvPr id="1" name=""/>
-        <p:cNvGrpSpPr/>
-        <p:nvPr/>
-      </p:nvGrpSpPr>
-      <p:grpSpPr>
-        <a:xfrm>
-          <a:off x="0" y="0"/>
-          <a:ext cx="0" cy="0"/>
-          <a:chOff x="0" y="0"/>
-          <a:chExt cx="0" cy="0"/>
-        </a:xfrm>
-      </p:grpSpPr>
-      <p:sp>
-        <p:nvSpPr>
-          <p:cNvPr id="2" name="Title 1">
-            <a:extLst>
-              <a:ext uri="{FF2B5EF4-FFF2-40B4-BE49-F238E27FC236}">
-                <a16:creationId xmlns:a16="http://schemas.microsoft.com/office/drawing/2014/main" id="{CD5F4034-87AE-1BF5-9294-9F471202EDF1}"/>
-              </a:ext>
-            </a:extLst>
-          </p:cNvPr>
-          <p:cNvSpPr>
-            <a:spLocks noGrp="1"/>
-          </p:cNvSpPr>
-          <p:nvPr>
-            <p:ph type="title"/>
-          </p:nvPr>
-        </p:nvSpPr>
-        <p:spPr/>
-        <p:txBody>
-          <a:bodyPr/>
-          <a:lstStyle/>
-          <a:p>
-            <a:r>
-              <a:rPr lang="en-US" dirty="0"/>
-              <a:t>Outputs:</a:t>
-            </a:r>
-          </a:p>
-        </p:txBody>
-      </p:sp>
-      <p:pic>
-        <p:nvPicPr>
-          <p:cNvPr id="4" name="Content Placeholder 3">
-            <a:extLst>
-              <a:ext uri="{FF2B5EF4-FFF2-40B4-BE49-F238E27FC236}">
-                <a16:creationId xmlns:a16="http://schemas.microsoft.com/office/drawing/2014/main" id="{F00BE07F-E2E8-02E3-0061-2628E503673F}"/>
-              </a:ext>
-            </a:extLst>
-          </p:cNvPr>
-          <p:cNvPicPr>
-            <a:picLocks noGrp="1" noChangeAspect="1"/>
-          </p:cNvPicPr>
-          <p:nvPr>
-            <p:ph idx="1"/>
-          </p:nvPr>
-        </p:nvPicPr>
-        <p:blipFill rotWithShape="1">
-          <a:blip r:embed="rId2"/>
-          <a:srcRect t="3648"/>
-          <a:stretch/>
-        </p:blipFill>
-        <p:spPr>
-          <a:xfrm>
-            <a:off x="278395" y="2540905"/>
-            <a:ext cx="5817605" cy="1528729"/>
-          </a:xfrm>
-          <a:prstGeom prst="rect">
-            <a:avLst/>
-          </a:prstGeom>
-        </p:spPr>
-      </p:pic>
-      <p:sp>
-        <p:nvSpPr>
-          <p:cNvPr id="5" name="TextBox 4">
-            <a:extLst>
-              <a:ext uri="{FF2B5EF4-FFF2-40B4-BE49-F238E27FC236}">
-                <a16:creationId xmlns:a16="http://schemas.microsoft.com/office/drawing/2014/main" id="{BE2E6E5B-8779-D10E-94E8-0A3287EBB889}"/>
-              </a:ext>
-            </a:extLst>
-          </p:cNvPr>
-          <p:cNvSpPr txBox="1"/>
-          <p:nvPr/>
-        </p:nvSpPr>
-        <p:spPr>
-          <a:xfrm>
-            <a:off x="278395" y="2171573"/>
-            <a:ext cx="2359236" cy="369332"/>
-          </a:xfrm>
-          <a:prstGeom prst="rect">
-            <a:avLst/>
-          </a:prstGeom>
-          <a:noFill/>
-        </p:spPr>
-        <p:txBody>
-          <a:bodyPr wrap="none" rtlCol="0">
-            <a:spAutoFit/>
-          </a:bodyPr>
-          <a:lstStyle/>
-          <a:p>
-            <a:r>
-              <a:rPr lang="en-US" dirty="0"/>
-              <a:t>Choosing a Student:</a:t>
-            </a:r>
-          </a:p>
-        </p:txBody>
-      </p:sp>
-      <p:sp>
-        <p:nvSpPr>
-          <p:cNvPr id="6" name="TextBox 5">
-            <a:extLst>
-              <a:ext uri="{FF2B5EF4-FFF2-40B4-BE49-F238E27FC236}">
-                <a16:creationId xmlns:a16="http://schemas.microsoft.com/office/drawing/2014/main" id="{3DDADE02-3282-4528-7F21-4B578BB21F6A}"/>
-              </a:ext>
-            </a:extLst>
-          </p:cNvPr>
-          <p:cNvSpPr txBox="1"/>
-          <p:nvPr/>
-        </p:nvSpPr>
-        <p:spPr>
-          <a:xfrm>
-            <a:off x="278395" y="4113640"/>
-            <a:ext cx="2986138" cy="369332"/>
-          </a:xfrm>
-          <a:prstGeom prst="rect">
-            <a:avLst/>
-          </a:prstGeom>
-          <a:noFill/>
-        </p:spPr>
-        <p:txBody>
-          <a:bodyPr wrap="none" rtlCol="0">
-            <a:spAutoFit/>
-          </a:bodyPr>
-          <a:lstStyle/>
-          <a:p>
-            <a:r>
-              <a:rPr lang="en-US" dirty="0"/>
-              <a:t>Going to Student Ref. List:</a:t>
-            </a:r>
-          </a:p>
-        </p:txBody>
-      </p:sp>
-      <p:sp>
-        <p:nvSpPr>
-          <p:cNvPr id="9" name="TextBox 8">
-            <a:extLst>
-              <a:ext uri="{FF2B5EF4-FFF2-40B4-BE49-F238E27FC236}">
-                <a16:creationId xmlns:a16="http://schemas.microsoft.com/office/drawing/2014/main" id="{2C2A203D-9DB5-2CC8-6C83-4147D5665980}"/>
-              </a:ext>
-            </a:extLst>
-          </p:cNvPr>
-          <p:cNvSpPr txBox="1"/>
-          <p:nvPr/>
-        </p:nvSpPr>
-        <p:spPr>
-          <a:xfrm>
-            <a:off x="6199632" y="2169303"/>
-            <a:ext cx="3975512" cy="369332"/>
-          </a:xfrm>
-          <a:prstGeom prst="rect">
-            <a:avLst/>
-          </a:prstGeom>
-          <a:noFill/>
-        </p:spPr>
-        <p:txBody>
-          <a:bodyPr wrap="none" rtlCol="0">
-            <a:spAutoFit/>
-          </a:bodyPr>
-          <a:lstStyle/>
-          <a:p>
-            <a:r>
-              <a:rPr lang="en-US" dirty="0"/>
-              <a:t>Going to the Course Code Ref. List:</a:t>
-            </a:r>
-          </a:p>
-        </p:txBody>
-      </p:sp>
-      <p:pic>
-        <p:nvPicPr>
-          <p:cNvPr id="10" name="Picture 9">
-            <a:extLst>
-              <a:ext uri="{FF2B5EF4-FFF2-40B4-BE49-F238E27FC236}">
-                <a16:creationId xmlns:a16="http://schemas.microsoft.com/office/drawing/2014/main" id="{63856B19-790A-205D-3EBC-904A3D7C4A4D}"/>
-              </a:ext>
-            </a:extLst>
-          </p:cNvPr>
-          <p:cNvPicPr>
-            <a:picLocks noChangeAspect="1"/>
-          </p:cNvPicPr>
-          <p:nvPr/>
-        </p:nvPicPr>
-        <p:blipFill>
-          <a:blip r:embed="rId3"/>
-          <a:stretch>
-            <a:fillRect/>
-          </a:stretch>
-        </p:blipFill>
-        <p:spPr>
-          <a:xfrm>
-            <a:off x="6199632" y="2538635"/>
-            <a:ext cx="4930363" cy="1669820"/>
-          </a:xfrm>
-          <a:prstGeom prst="rect">
-            <a:avLst/>
-          </a:prstGeom>
-        </p:spPr>
-      </p:pic>
-      <p:pic>
-        <p:nvPicPr>
-          <p:cNvPr id="11" name="Picture 10">
-            <a:extLst>
-              <a:ext uri="{FF2B5EF4-FFF2-40B4-BE49-F238E27FC236}">
-                <a16:creationId xmlns:a16="http://schemas.microsoft.com/office/drawing/2014/main" id="{70BF5902-F92C-EAB5-9DF6-34F0171AD7F6}"/>
-              </a:ext>
-            </a:extLst>
-          </p:cNvPr>
-          <p:cNvPicPr>
-            <a:picLocks noChangeAspect="1"/>
-          </p:cNvPicPr>
-          <p:nvPr/>
-        </p:nvPicPr>
-        <p:blipFill>
-          <a:blip r:embed="rId4"/>
-          <a:stretch>
-            <a:fillRect/>
-          </a:stretch>
-        </p:blipFill>
-        <p:spPr>
-          <a:xfrm>
-            <a:off x="278395" y="4482972"/>
-            <a:ext cx="5322305" cy="1802563"/>
-          </a:xfrm>
-          <a:prstGeom prst="rect">
-            <a:avLst/>
-          </a:prstGeom>
-        </p:spPr>
-      </p:pic>
-      <p:sp>
-        <p:nvSpPr>
-          <p:cNvPr id="12" name="TextBox 11">
-            <a:extLst>
-              <a:ext uri="{FF2B5EF4-FFF2-40B4-BE49-F238E27FC236}">
-                <a16:creationId xmlns:a16="http://schemas.microsoft.com/office/drawing/2014/main" id="{598E7F4F-566F-E0C0-B570-CBEC46C53C35}"/>
-              </a:ext>
-            </a:extLst>
-          </p:cNvPr>
-          <p:cNvSpPr txBox="1"/>
-          <p:nvPr/>
-        </p:nvSpPr>
-        <p:spPr>
-          <a:xfrm>
-            <a:off x="6199632" y="4208455"/>
-            <a:ext cx="3099566" cy="369332"/>
-          </a:xfrm>
-          <a:prstGeom prst="rect">
-            <a:avLst/>
-          </a:prstGeom>
-          <a:noFill/>
-        </p:spPr>
-        <p:txBody>
-          <a:bodyPr wrap="none" rtlCol="0">
-            <a:spAutoFit/>
-          </a:bodyPr>
-          <a:lstStyle/>
-          <a:p>
-            <a:r>
-              <a:rPr lang="en-US" dirty="0"/>
-              <a:t>Inputting an invalid number:</a:t>
-            </a:r>
-          </a:p>
-        </p:txBody>
-      </p:sp>
-      <p:pic>
-        <p:nvPicPr>
-          <p:cNvPr id="13" name="Picture 12">
-            <a:extLst>
-              <a:ext uri="{FF2B5EF4-FFF2-40B4-BE49-F238E27FC236}">
-                <a16:creationId xmlns:a16="http://schemas.microsoft.com/office/drawing/2014/main" id="{C591AF21-AECD-9E56-7791-B85732C65F12}"/>
-              </a:ext>
-            </a:extLst>
-          </p:cNvPr>
-          <p:cNvPicPr>
-            <a:picLocks noChangeAspect="1"/>
-          </p:cNvPicPr>
-          <p:nvPr/>
-        </p:nvPicPr>
-        <p:blipFill>
-          <a:blip r:embed="rId5"/>
-          <a:stretch>
-            <a:fillRect/>
-          </a:stretch>
-        </p:blipFill>
-        <p:spPr>
-          <a:xfrm>
-            <a:off x="6199632" y="4586053"/>
-            <a:ext cx="5586412" cy="432821"/>
-          </a:xfrm>
-          <a:prstGeom prst="rect">
-            <a:avLst/>
-          </a:prstGeom>
-        </p:spPr>
-      </p:pic>
-    </p:spTree>
-    <p:extLst>
-      <p:ext uri="{BB962C8B-B14F-4D97-AF65-F5344CB8AC3E}">
-        <p14:creationId xmlns:p14="http://schemas.microsoft.com/office/powerpoint/2010/main" val="3491302305"/>
-      </p:ext>
-    </p:extLst>
-  </p:cSld>
-  <p:clrMapOvr>
-    <a:masterClrMapping/>
-  </p:clrMapOvr>
-</p:sld>
-</file>
-
-<file path=ppt/slides/slide9.xml><?xml version="1.0" encoding="utf-8"?>
-<p:sld xmlns:a="http://schemas.openxmlformats.org/drawingml/2006/main" xmlns:r="http://schemas.openxmlformats.org/officeDocument/2006/relationships" xmlns:p="http://schemas.openxmlformats.org/presentationml/2006/main">
-  <p:cSld>
     <p:bg>
       <p:bgPr>
         <a:solidFill>
@@ -10186,7 +9869,7 @@
         </p:blipFill>
         <p:spPr>
           <a:xfrm>
-            <a:off x="20" y="10"/>
+            <a:off x="20" y="29038"/>
             <a:ext cx="12191998" cy="6858000"/>
           </a:xfrm>
           <a:prstGeom prst="rect">
@@ -10312,7 +9995,7 @@
         </p:nvSpPr>
         <p:spPr>
           <a:xfrm>
-            <a:off x="5849388" y="4907629"/>
+            <a:off x="5849388" y="4979069"/>
             <a:ext cx="3212386" cy="1185353"/>
           </a:xfrm>
         </p:spPr>
@@ -10531,7 +10214,7 @@
         </p:nvSpPr>
         <p:spPr>
           <a:xfrm>
-            <a:off x="9174919" y="5315639"/>
+            <a:off x="9262740" y="5358503"/>
             <a:ext cx="2544927" cy="369332"/>
           </a:xfrm>
           <a:prstGeom prst="rect">
@@ -10549,19 +10232,7 @@
               <a:rPr lang="en-US" dirty="0">
                 <a:hlinkClick r:id="rId3"/>
               </a:rPr>
-              <a:t>Download .</a:t>
-            </a:r>
-            <a:r>
-              <a:rPr lang="en-US" dirty="0" err="1">
-                <a:hlinkClick r:id="rId3"/>
-              </a:rPr>
-              <a:t>py</a:t>
-            </a:r>
-            <a:r>
-              <a:rPr lang="en-US" dirty="0">
-                <a:hlinkClick r:id="rId3"/>
-              </a:rPr>
-              <a:t> file here</a:t>
+              <a:t>Download .py file here</a:t>
             </a:r>
             <a:endParaRPr lang="en-US" dirty="0"/>
           </a:p>
@@ -10571,6 +10242,325 @@
     <p:extLst>
       <p:ext uri="{BB962C8B-B14F-4D97-AF65-F5344CB8AC3E}">
         <p14:creationId xmlns:p14="http://schemas.microsoft.com/office/powerpoint/2010/main" val="449823962"/>
+      </p:ext>
+    </p:extLst>
+  </p:cSld>
+  <p:clrMapOvr>
+    <a:masterClrMapping/>
+  </p:clrMapOvr>
+</p:sld>
+</file>
+
+<file path=ppt/slides/slide9.xml><?xml version="1.0" encoding="utf-8"?>
+<p:sld xmlns:a="http://schemas.openxmlformats.org/drawingml/2006/main" xmlns:r="http://schemas.openxmlformats.org/officeDocument/2006/relationships" xmlns:p="http://schemas.openxmlformats.org/presentationml/2006/main">
+  <p:cSld>
+    <p:spTree>
+      <p:nvGrpSpPr>
+        <p:cNvPr id="1" name=""/>
+        <p:cNvGrpSpPr/>
+        <p:nvPr/>
+      </p:nvGrpSpPr>
+      <p:grpSpPr>
+        <a:xfrm>
+          <a:off x="0" y="0"/>
+          <a:ext cx="0" cy="0"/>
+          <a:chOff x="0" y="0"/>
+          <a:chExt cx="0" cy="0"/>
+        </a:xfrm>
+      </p:grpSpPr>
+      <p:sp>
+        <p:nvSpPr>
+          <p:cNvPr id="2" name="Title 1">
+            <a:extLst>
+              <a:ext uri="{FF2B5EF4-FFF2-40B4-BE49-F238E27FC236}">
+                <a16:creationId xmlns:a16="http://schemas.microsoft.com/office/drawing/2014/main" id="{CD5F4034-87AE-1BF5-9294-9F471202EDF1}"/>
+              </a:ext>
+            </a:extLst>
+          </p:cNvPr>
+          <p:cNvSpPr>
+            <a:spLocks noGrp="1"/>
+          </p:cNvSpPr>
+          <p:nvPr>
+            <p:ph type="title"/>
+          </p:nvPr>
+        </p:nvSpPr>
+        <p:spPr/>
+        <p:txBody>
+          <a:bodyPr/>
+          <a:lstStyle/>
+          <a:p>
+            <a:r>
+              <a:rPr lang="en-US" dirty="0"/>
+              <a:t>Outputs:</a:t>
+            </a:r>
+          </a:p>
+        </p:txBody>
+      </p:sp>
+      <p:pic>
+        <p:nvPicPr>
+          <p:cNvPr id="4" name="Content Placeholder 3">
+            <a:extLst>
+              <a:ext uri="{FF2B5EF4-FFF2-40B4-BE49-F238E27FC236}">
+                <a16:creationId xmlns:a16="http://schemas.microsoft.com/office/drawing/2014/main" id="{F00BE07F-E2E8-02E3-0061-2628E503673F}"/>
+              </a:ext>
+            </a:extLst>
+          </p:cNvPr>
+          <p:cNvPicPr>
+            <a:picLocks noGrp="1" noChangeAspect="1"/>
+          </p:cNvPicPr>
+          <p:nvPr>
+            <p:ph idx="1"/>
+          </p:nvPr>
+        </p:nvPicPr>
+        <p:blipFill rotWithShape="1">
+          <a:blip r:embed="rId2"/>
+          <a:srcRect t="3648"/>
+          <a:stretch/>
+        </p:blipFill>
+        <p:spPr>
+          <a:xfrm>
+            <a:off x="278395" y="2540905"/>
+            <a:ext cx="5817605" cy="1528729"/>
+          </a:xfrm>
+          <a:prstGeom prst="rect">
+            <a:avLst/>
+          </a:prstGeom>
+        </p:spPr>
+      </p:pic>
+      <p:sp>
+        <p:nvSpPr>
+          <p:cNvPr id="5" name="TextBox 4">
+            <a:extLst>
+              <a:ext uri="{FF2B5EF4-FFF2-40B4-BE49-F238E27FC236}">
+                <a16:creationId xmlns:a16="http://schemas.microsoft.com/office/drawing/2014/main" id="{BE2E6E5B-8779-D10E-94E8-0A3287EBB889}"/>
+              </a:ext>
+            </a:extLst>
+          </p:cNvPr>
+          <p:cNvSpPr txBox="1"/>
+          <p:nvPr/>
+        </p:nvSpPr>
+        <p:spPr>
+          <a:xfrm>
+            <a:off x="278395" y="2171573"/>
+            <a:ext cx="2359236" cy="369332"/>
+          </a:xfrm>
+          <a:prstGeom prst="rect">
+            <a:avLst/>
+          </a:prstGeom>
+          <a:noFill/>
+        </p:spPr>
+        <p:txBody>
+          <a:bodyPr wrap="none" rtlCol="0">
+            <a:spAutoFit/>
+          </a:bodyPr>
+          <a:lstStyle/>
+          <a:p>
+            <a:r>
+              <a:rPr lang="en-US" dirty="0"/>
+              <a:t>Choosing a Student:</a:t>
+            </a:r>
+          </a:p>
+        </p:txBody>
+      </p:sp>
+      <p:sp>
+        <p:nvSpPr>
+          <p:cNvPr id="6" name="TextBox 5">
+            <a:extLst>
+              <a:ext uri="{FF2B5EF4-FFF2-40B4-BE49-F238E27FC236}">
+                <a16:creationId xmlns:a16="http://schemas.microsoft.com/office/drawing/2014/main" id="{3DDADE02-3282-4528-7F21-4B578BB21F6A}"/>
+              </a:ext>
+            </a:extLst>
+          </p:cNvPr>
+          <p:cNvSpPr txBox="1"/>
+          <p:nvPr/>
+        </p:nvSpPr>
+        <p:spPr>
+          <a:xfrm>
+            <a:off x="278395" y="4113640"/>
+            <a:ext cx="2986138" cy="369332"/>
+          </a:xfrm>
+          <a:prstGeom prst="rect">
+            <a:avLst/>
+          </a:prstGeom>
+          <a:noFill/>
+        </p:spPr>
+        <p:txBody>
+          <a:bodyPr wrap="none" rtlCol="0">
+            <a:spAutoFit/>
+          </a:bodyPr>
+          <a:lstStyle/>
+          <a:p>
+            <a:r>
+              <a:rPr lang="en-US" dirty="0"/>
+              <a:t>Going to Student Ref. List:</a:t>
+            </a:r>
+          </a:p>
+        </p:txBody>
+      </p:sp>
+      <p:sp>
+        <p:nvSpPr>
+          <p:cNvPr id="9" name="TextBox 8">
+            <a:extLst>
+              <a:ext uri="{FF2B5EF4-FFF2-40B4-BE49-F238E27FC236}">
+                <a16:creationId xmlns:a16="http://schemas.microsoft.com/office/drawing/2014/main" id="{2C2A203D-9DB5-2CC8-6C83-4147D5665980}"/>
+              </a:ext>
+            </a:extLst>
+          </p:cNvPr>
+          <p:cNvSpPr txBox="1"/>
+          <p:nvPr/>
+        </p:nvSpPr>
+        <p:spPr>
+          <a:xfrm>
+            <a:off x="6199632" y="2169303"/>
+            <a:ext cx="3975512" cy="369332"/>
+          </a:xfrm>
+          <a:prstGeom prst="rect">
+            <a:avLst/>
+          </a:prstGeom>
+          <a:noFill/>
+        </p:spPr>
+        <p:txBody>
+          <a:bodyPr wrap="none" rtlCol="0">
+            <a:spAutoFit/>
+          </a:bodyPr>
+          <a:lstStyle/>
+          <a:p>
+            <a:r>
+              <a:rPr lang="en-US" dirty="0"/>
+              <a:t>Going to the Course Code Ref. List:</a:t>
+            </a:r>
+          </a:p>
+        </p:txBody>
+      </p:sp>
+      <p:pic>
+        <p:nvPicPr>
+          <p:cNvPr id="10" name="Picture 9">
+            <a:extLst>
+              <a:ext uri="{FF2B5EF4-FFF2-40B4-BE49-F238E27FC236}">
+                <a16:creationId xmlns:a16="http://schemas.microsoft.com/office/drawing/2014/main" id="{63856B19-790A-205D-3EBC-904A3D7C4A4D}"/>
+              </a:ext>
+            </a:extLst>
+          </p:cNvPr>
+          <p:cNvPicPr>
+            <a:picLocks noChangeAspect="1"/>
+          </p:cNvPicPr>
+          <p:nvPr/>
+        </p:nvPicPr>
+        <p:blipFill>
+          <a:blip r:embed="rId3"/>
+          <a:stretch>
+            <a:fillRect/>
+          </a:stretch>
+        </p:blipFill>
+        <p:spPr>
+          <a:xfrm>
+            <a:off x="6199632" y="2538635"/>
+            <a:ext cx="4930363" cy="1669820"/>
+          </a:xfrm>
+          <a:prstGeom prst="rect">
+            <a:avLst/>
+          </a:prstGeom>
+        </p:spPr>
+      </p:pic>
+      <p:pic>
+        <p:nvPicPr>
+          <p:cNvPr id="11" name="Picture 10">
+            <a:extLst>
+              <a:ext uri="{FF2B5EF4-FFF2-40B4-BE49-F238E27FC236}">
+                <a16:creationId xmlns:a16="http://schemas.microsoft.com/office/drawing/2014/main" id="{70BF5902-F92C-EAB5-9DF6-34F0171AD7F6}"/>
+              </a:ext>
+            </a:extLst>
+          </p:cNvPr>
+          <p:cNvPicPr>
+            <a:picLocks noChangeAspect="1"/>
+          </p:cNvPicPr>
+          <p:nvPr/>
+        </p:nvPicPr>
+        <p:blipFill>
+          <a:blip r:embed="rId4"/>
+          <a:stretch>
+            <a:fillRect/>
+          </a:stretch>
+        </p:blipFill>
+        <p:spPr>
+          <a:xfrm>
+            <a:off x="278395" y="4482972"/>
+            <a:ext cx="5322305" cy="1802563"/>
+          </a:xfrm>
+          <a:prstGeom prst="rect">
+            <a:avLst/>
+          </a:prstGeom>
+        </p:spPr>
+      </p:pic>
+      <p:sp>
+        <p:nvSpPr>
+          <p:cNvPr id="12" name="TextBox 11">
+            <a:extLst>
+              <a:ext uri="{FF2B5EF4-FFF2-40B4-BE49-F238E27FC236}">
+                <a16:creationId xmlns:a16="http://schemas.microsoft.com/office/drawing/2014/main" id="{598E7F4F-566F-E0C0-B570-CBEC46C53C35}"/>
+              </a:ext>
+            </a:extLst>
+          </p:cNvPr>
+          <p:cNvSpPr txBox="1"/>
+          <p:nvPr/>
+        </p:nvSpPr>
+        <p:spPr>
+          <a:xfrm>
+            <a:off x="6199632" y="4208455"/>
+            <a:ext cx="3099566" cy="369332"/>
+          </a:xfrm>
+          <a:prstGeom prst="rect">
+            <a:avLst/>
+          </a:prstGeom>
+          <a:noFill/>
+        </p:spPr>
+        <p:txBody>
+          <a:bodyPr wrap="none" rtlCol="0">
+            <a:spAutoFit/>
+          </a:bodyPr>
+          <a:lstStyle/>
+          <a:p>
+            <a:r>
+              <a:rPr lang="en-US" dirty="0"/>
+              <a:t>Inputting an invalid number:</a:t>
+            </a:r>
+          </a:p>
+        </p:txBody>
+      </p:sp>
+      <p:pic>
+        <p:nvPicPr>
+          <p:cNvPr id="13" name="Picture 12">
+            <a:extLst>
+              <a:ext uri="{FF2B5EF4-FFF2-40B4-BE49-F238E27FC236}">
+                <a16:creationId xmlns:a16="http://schemas.microsoft.com/office/drawing/2014/main" id="{C591AF21-AECD-9E56-7791-B85732C65F12}"/>
+              </a:ext>
+            </a:extLst>
+          </p:cNvPr>
+          <p:cNvPicPr>
+            <a:picLocks noChangeAspect="1"/>
+          </p:cNvPicPr>
+          <p:nvPr/>
+        </p:nvPicPr>
+        <p:blipFill>
+          <a:blip r:embed="rId5"/>
+          <a:stretch>
+            <a:fillRect/>
+          </a:stretch>
+        </p:blipFill>
+        <p:spPr>
+          <a:xfrm>
+            <a:off x="6199632" y="4586053"/>
+            <a:ext cx="5586412" cy="432821"/>
+          </a:xfrm>
+          <a:prstGeom prst="rect">
+            <a:avLst/>
+          </a:prstGeom>
+        </p:spPr>
+      </p:pic>
+    </p:spTree>
+    <p:extLst>
+      <p:ext uri="{BB962C8B-B14F-4D97-AF65-F5344CB8AC3E}">
+        <p14:creationId xmlns:p14="http://schemas.microsoft.com/office/powerpoint/2010/main" val="3491302305"/>
       </p:ext>
     </p:extLst>
   </p:cSld>

--- a/Computer science presentation.pptx
+++ b/Computer science presentation.pptx
@@ -9850,10 +9850,10 @@
       </p:sp>
       <p:pic>
         <p:nvPicPr>
-          <p:cNvPr id="8" name="Picture 7" descr="Text&#10;&#10;Description automatically generated">
-            <a:extLst>
-              <a:ext uri="{FF2B5EF4-FFF2-40B4-BE49-F238E27FC236}">
-                <a16:creationId xmlns:a16="http://schemas.microsoft.com/office/drawing/2014/main" id="{61BD79D1-0F04-64DD-29D0-6D91C1B4144E}"/>
+          <p:cNvPr id="3" name="Picture 2">
+            <a:extLst>
+              <a:ext uri="{FF2B5EF4-FFF2-40B4-BE49-F238E27FC236}">
+                <a16:creationId xmlns:a16="http://schemas.microsoft.com/office/drawing/2014/main" id="{13A7212D-5336-D968-2392-A817C3F6C210}"/>
               </a:ext>
             </a:extLst>
           </p:cNvPr>
@@ -9862,15 +9862,16 @@
           </p:cNvPicPr>
           <p:nvPr/>
         </p:nvPicPr>
-        <p:blipFill rotWithShape="1">
+        <p:blipFill>
           <a:blip r:embed="rId2"/>
-          <a:srcRect r="9334" b="1"/>
-          <a:stretch/>
+          <a:stretch>
+            <a:fillRect/>
+          </a:stretch>
         </p:blipFill>
         <p:spPr>
           <a:xfrm>
-            <a:off x="20" y="29038"/>
-            <a:ext cx="12191998" cy="6858000"/>
+            <a:off x="0" y="-6988"/>
+            <a:ext cx="13666882" cy="6864988"/>
           </a:xfrm>
           <a:prstGeom prst="rect">
             <a:avLst/>
